--- a/_Experiments/_PROTOCOLs/_Surgery/_templates/RM1optrode-LM1-EMG layout.pptx
+++ b/_Experiments/_PROTOCOLs/_Surgery/_templates/RM1optrode-LM1-EMG layout.pptx
@@ -109,7 +109,7 @@
   </p:defaultTextStyle>
   <p:extLst>
     <p:ext uri="{EFAFB233-063F-42B5-8137-9DF3F51BA10A}">
-      <p15:sldGuideLst xmlns:p15="http://schemas.microsoft.com/office/powerpoint/2012/main" xmlns="">
+      <p15:sldGuideLst xmlns="" xmlns:p15="http://schemas.microsoft.com/office/powerpoint/2012/main">
         <p15:guide id="1" orient="horz" pos="2160">
           <p15:clr>
             <a:srgbClr val="A4A3A4"/>
@@ -208,7 +208,7 @@
           <a:p>
             <a:fld id="{46F8F2C1-8A14-4773-BC69-077AA6BEF8AA}" type="datetimeFigureOut">
               <a:rPr lang="en-US" smtClean="0"/>
-              <a:t>2/9/2017</a:t>
+              <a:t>5/3/2017</a:t>
             </a:fld>
             <a:endParaRPr lang="en-US"/>
           </a:p>
@@ -741,7 +741,7 @@
           <a:p>
             <a:fld id="{A4E24B33-863B-4BDB-B3BB-1315F1051867}" type="datetimeFigureOut">
               <a:rPr lang="en-US" smtClean="0"/>
-              <a:t>2/9/2017</a:t>
+              <a:t>5/3/2017</a:t>
             </a:fld>
             <a:endParaRPr lang="en-US"/>
           </a:p>
@@ -911,7 +911,7 @@
           <a:p>
             <a:fld id="{A4E24B33-863B-4BDB-B3BB-1315F1051867}" type="datetimeFigureOut">
               <a:rPr lang="en-US" smtClean="0"/>
-              <a:t>2/9/2017</a:t>
+              <a:t>5/3/2017</a:t>
             </a:fld>
             <a:endParaRPr lang="en-US"/>
           </a:p>
@@ -1091,7 +1091,7 @@
           <a:p>
             <a:fld id="{A4E24B33-863B-4BDB-B3BB-1315F1051867}" type="datetimeFigureOut">
               <a:rPr lang="en-US" smtClean="0"/>
-              <a:t>2/9/2017</a:t>
+              <a:t>5/3/2017</a:t>
             </a:fld>
             <a:endParaRPr lang="en-US"/>
           </a:p>
@@ -1261,7 +1261,7 @@
           <a:p>
             <a:fld id="{A4E24B33-863B-4BDB-B3BB-1315F1051867}" type="datetimeFigureOut">
               <a:rPr lang="en-US" smtClean="0"/>
-              <a:t>2/9/2017</a:t>
+              <a:t>5/3/2017</a:t>
             </a:fld>
             <a:endParaRPr lang="en-US"/>
           </a:p>
@@ -1507,7 +1507,7 @@
           <a:p>
             <a:fld id="{A4E24B33-863B-4BDB-B3BB-1315F1051867}" type="datetimeFigureOut">
               <a:rPr lang="en-US" smtClean="0"/>
-              <a:t>2/9/2017</a:t>
+              <a:t>5/3/2017</a:t>
             </a:fld>
             <a:endParaRPr lang="en-US"/>
           </a:p>
@@ -1795,7 +1795,7 @@
           <a:p>
             <a:fld id="{A4E24B33-863B-4BDB-B3BB-1315F1051867}" type="datetimeFigureOut">
               <a:rPr lang="en-US" smtClean="0"/>
-              <a:t>2/9/2017</a:t>
+              <a:t>5/3/2017</a:t>
             </a:fld>
             <a:endParaRPr lang="en-US"/>
           </a:p>
@@ -2217,7 +2217,7 @@
           <a:p>
             <a:fld id="{A4E24B33-863B-4BDB-B3BB-1315F1051867}" type="datetimeFigureOut">
               <a:rPr lang="en-US" smtClean="0"/>
-              <a:t>2/9/2017</a:t>
+              <a:t>5/3/2017</a:t>
             </a:fld>
             <a:endParaRPr lang="en-US"/>
           </a:p>
@@ -2335,7 +2335,7 @@
           <a:p>
             <a:fld id="{A4E24B33-863B-4BDB-B3BB-1315F1051867}" type="datetimeFigureOut">
               <a:rPr lang="en-US" smtClean="0"/>
-              <a:t>2/9/2017</a:t>
+              <a:t>5/3/2017</a:t>
             </a:fld>
             <a:endParaRPr lang="en-US"/>
           </a:p>
@@ -2430,7 +2430,7 @@
           <a:p>
             <a:fld id="{A4E24B33-863B-4BDB-B3BB-1315F1051867}" type="datetimeFigureOut">
               <a:rPr lang="en-US" smtClean="0"/>
-              <a:t>2/9/2017</a:t>
+              <a:t>5/3/2017</a:t>
             </a:fld>
             <a:endParaRPr lang="en-US"/>
           </a:p>
@@ -2707,7 +2707,7 @@
           <a:p>
             <a:fld id="{A4E24B33-863B-4BDB-B3BB-1315F1051867}" type="datetimeFigureOut">
               <a:rPr lang="en-US" smtClean="0"/>
-              <a:t>2/9/2017</a:t>
+              <a:t>5/3/2017</a:t>
             </a:fld>
             <a:endParaRPr lang="en-US"/>
           </a:p>
@@ -2960,7 +2960,7 @@
           <a:p>
             <a:fld id="{A4E24B33-863B-4BDB-B3BB-1315F1051867}" type="datetimeFigureOut">
               <a:rPr lang="en-US" smtClean="0"/>
-              <a:t>2/9/2017</a:t>
+              <a:t>5/3/2017</a:t>
             </a:fld>
             <a:endParaRPr lang="en-US"/>
           </a:p>
@@ -3173,7 +3173,7 @@
           <a:p>
             <a:fld id="{A4E24B33-863B-4BDB-B3BB-1315F1051867}" type="datetimeFigureOut">
               <a:rPr lang="en-US" smtClean="0"/>
-              <a:t>2/9/2017</a:t>
+              <a:t>5/3/2017</a:t>
             </a:fld>
             <a:endParaRPr lang="en-US"/>
           </a:p>
@@ -3557,7 +3557,7 @@
           <p:nvPr>
             <p:extLst>
               <p:ext uri="{D42A27DB-BD31-4B8C-83A1-F6EECF244321}">
-                <p14:modId xmlns:p14="http://schemas.microsoft.com/office/powerpoint/2010/main" val="1066488513"/>
+                <p14:modId xmlns:p14="http://schemas.microsoft.com/office/powerpoint/2010/main" val="2859652909"/>
               </p:ext>
             </p:extLst>
           </p:nvPr>
@@ -3625,7 +3625,16 @@
                         <a:rPr lang="en-US" sz="1000" dirty="0" smtClean="0">
                           <a:latin typeface="Arial Black" panose="020B0A04020102020204" pitchFamily="34" charset="0"/>
                         </a:rPr>
-                        <a:t>EEG2 (EMG)</a:t>
+                        <a:t>EEG-Ch2 </a:t>
+                      </a:r>
+                    </a:p>
+                    <a:p>
+                      <a:pPr algn="ctr"/>
+                      <a:r>
+                        <a:rPr lang="en-US" sz="1000" dirty="0" smtClean="0">
+                          <a:latin typeface="Arial Black" panose="020B0A04020102020204" pitchFamily="34" charset="0"/>
+                        </a:rPr>
+                        <a:t>(L-M1)</a:t>
                       </a:r>
                       <a:endParaRPr lang="en-US" sz="1000" dirty="0">
                         <a:latin typeface="Arial Black" panose="020B0A04020102020204" pitchFamily="34" charset="0"/>
@@ -3653,13 +3662,7 @@
                         <a:rPr lang="en-US" sz="1000" dirty="0" smtClean="0">
                           <a:latin typeface="Arial Black" panose="020B0A04020102020204" pitchFamily="34" charset="0"/>
                         </a:rPr>
-                        <a:t>EEG3 </a:t>
-                      </a:r>
-                      <a:r>
-                        <a:rPr lang="en-US" sz="1000" dirty="0" smtClean="0">
-                          <a:latin typeface="Arial Black" panose="020B0A04020102020204" pitchFamily="34" charset="0"/>
-                        </a:rPr>
-                        <a:t>(</a:t>
+                        <a:t>EEG3 (</a:t>
                       </a:r>
                       <a:r>
                         <a:rPr lang="en-US" sz="1000" dirty="0" err="1" smtClean="0">
@@ -3735,13 +3738,7 @@
                         <a:rPr lang="en-US" sz="1000" dirty="0" smtClean="0">
                           <a:latin typeface="Arial Black" panose="020B0A04020102020204" pitchFamily="34" charset="0"/>
                         </a:rPr>
-                        <a:t>EEG1 </a:t>
-                      </a:r>
-                      <a:r>
-                        <a:rPr lang="en-US" sz="1000" dirty="0" smtClean="0">
-                          <a:latin typeface="Arial Black" panose="020B0A04020102020204" pitchFamily="34" charset="0"/>
-                        </a:rPr>
-                        <a:t>(L-M1)</a:t>
+                        <a:t>EEG-Ch1 (EMG)</a:t>
                       </a:r>
                       <a:endParaRPr lang="en-US" sz="1000" dirty="0">
                         <a:latin typeface="Arial Black" panose="020B0A04020102020204" pitchFamily="34" charset="0"/>
@@ -3769,13 +3766,7 @@
                         <a:rPr lang="en-US" sz="1000" dirty="0" smtClean="0">
                           <a:latin typeface="Arial Black" panose="020B0A04020102020204" pitchFamily="34" charset="0"/>
                         </a:rPr>
-                        <a:t>EEG3 </a:t>
-                      </a:r>
-                      <a:r>
-                        <a:rPr lang="en-US" sz="1000" dirty="0" smtClean="0">
-                          <a:latin typeface="Arial Black" panose="020B0A04020102020204" pitchFamily="34" charset="0"/>
-                        </a:rPr>
-                        <a:t>(</a:t>
+                        <a:t>EEG3 (</a:t>
                       </a:r>
                       <a:r>
                         <a:rPr lang="en-US" sz="1000" dirty="0" err="1" smtClean="0">
@@ -3810,7 +3801,7 @@
           <p:nvPr>
             <p:extLst>
               <p:ext uri="{D42A27DB-BD31-4B8C-83A1-F6EECF244321}">
-                <p14:modId xmlns:p14="http://schemas.microsoft.com/office/powerpoint/2010/main" val="3633172613"/>
+                <p14:modId xmlns:p14="http://schemas.microsoft.com/office/powerpoint/2010/main" val="578591467"/>
               </p:ext>
             </p:extLst>
           </p:nvPr>
@@ -4175,7 +4166,7 @@
         <p:spPr>
           <a:xfrm>
             <a:off x="4953000" y="609600"/>
-            <a:ext cx="1069524" cy="369332"/>
+            <a:ext cx="915635" cy="369332"/>
           </a:xfrm>
           <a:prstGeom prst="rect">
             <a:avLst/>
@@ -4190,12 +4181,14 @@
           <a:p>
             <a:r>
               <a:rPr lang="en-US" dirty="0" smtClean="0">
-                <a:latin typeface="Arial Black" panose="020B0A04020102020204" pitchFamily="34" charset="0"/>
+                <a:latin typeface="Arial" panose="020B0604020202020204" pitchFamily="34" charset="0"/>
+                <a:cs typeface="Arial" panose="020B0604020202020204" pitchFamily="34" charset="0"/>
               </a:rPr>
               <a:t>Pin-out</a:t>
             </a:r>
             <a:endParaRPr lang="en-US" dirty="0">
-              <a:latin typeface="Arial Black" panose="020B0A04020102020204" pitchFamily="34" charset="0"/>
+              <a:latin typeface="Arial" panose="020B0604020202020204" pitchFamily="34" charset="0"/>
+              <a:cs typeface="Arial" panose="020B0604020202020204" pitchFamily="34" charset="0"/>
             </a:endParaRPr>
           </a:p>
         </p:txBody>
@@ -4209,7 +4202,7 @@
         <p:spPr>
           <a:xfrm>
             <a:off x="4419600" y="2438400"/>
-            <a:ext cx="3267946" cy="369332"/>
+            <a:ext cx="2646878" cy="369332"/>
           </a:xfrm>
           <a:prstGeom prst="rect">
             <a:avLst/>
@@ -4224,12 +4217,14 @@
           <a:p>
             <a:r>
               <a:rPr lang="en-US" dirty="0" smtClean="0">
-                <a:latin typeface="Arial Black" panose="020B0A04020102020204" pitchFamily="34" charset="0"/>
+                <a:latin typeface="Arial" panose="020B0604020202020204" pitchFamily="34" charset="0"/>
+                <a:cs typeface="Arial" panose="020B0604020202020204" pitchFamily="34" charset="0"/>
               </a:rPr>
               <a:t>Stereotaxic Coordinates</a:t>
             </a:r>
             <a:endParaRPr lang="en-US" dirty="0">
-              <a:latin typeface="Arial Black" panose="020B0A04020102020204" pitchFamily="34" charset="0"/>
+              <a:latin typeface="Arial" panose="020B0604020202020204" pitchFamily="34" charset="0"/>
+              <a:cs typeface="Arial" panose="020B0604020202020204" pitchFamily="34" charset="0"/>
             </a:endParaRPr>
           </a:p>
         </p:txBody>
@@ -4243,9 +4238,9 @@
         <p:grpSpPr>
           <a:xfrm>
             <a:off x="457200" y="609600"/>
-            <a:ext cx="3316697" cy="4163199"/>
+            <a:ext cx="3316697" cy="4255532"/>
             <a:chOff x="457200" y="1143000"/>
-            <a:chExt cx="3316697" cy="4163199"/>
+            <a:chExt cx="3316697" cy="4255532"/>
           </a:xfrm>
         </p:grpSpPr>
         <p:grpSp>
@@ -4327,7 +4322,8 @@
               <a:lstStyle/>
               <a:p>
                 <a:endParaRPr lang="en-US">
-                  <a:latin typeface="Arial Black" panose="020B0A04020102020204" pitchFamily="34" charset="0"/>
+                  <a:latin typeface="Arial" panose="020B0604020202020204" pitchFamily="34" charset="0"/>
+                  <a:cs typeface="Arial" panose="020B0604020202020204" pitchFamily="34" charset="0"/>
                 </a:endParaRPr>
               </a:p>
             </p:txBody>
@@ -4363,7 +4359,8 @@
               <a:lstStyle/>
               <a:p>
                 <a:endParaRPr lang="en-US">
-                  <a:latin typeface="Arial Black" panose="020B0A04020102020204" pitchFamily="34" charset="0"/>
+                  <a:latin typeface="Arial" panose="020B0604020202020204" pitchFamily="34" charset="0"/>
+                  <a:cs typeface="Arial" panose="020B0604020202020204" pitchFamily="34" charset="0"/>
                 </a:endParaRPr>
               </a:p>
             </p:txBody>
@@ -4399,7 +4396,8 @@
               <a:lstStyle/>
               <a:p>
                 <a:endParaRPr lang="en-US">
-                  <a:latin typeface="Arial Black" panose="020B0A04020102020204" pitchFamily="34" charset="0"/>
+                  <a:latin typeface="Arial" panose="020B0604020202020204" pitchFamily="34" charset="0"/>
+                  <a:cs typeface="Arial" panose="020B0604020202020204" pitchFamily="34" charset="0"/>
                 </a:endParaRPr>
               </a:p>
             </p:txBody>
@@ -4495,13 +4493,15 @@
               <a:p>
                 <a:pPr algn="ctr"/>
                 <a:r>
-                  <a:rPr lang="en-US" sz="1000" b="1" dirty="0" err="1">
-                    <a:latin typeface="Arial Black" panose="020B0A04020102020204" pitchFamily="34" charset="0"/>
+                  <a:rPr lang="en-US" sz="1800" b="1" dirty="0" err="1">
+                    <a:latin typeface="Arial" panose="020B0604020202020204" pitchFamily="34" charset="0"/>
+                    <a:cs typeface="Arial" panose="020B0604020202020204" pitchFamily="34" charset="0"/>
                   </a:rPr>
                   <a:t>Bregma</a:t>
                 </a:r>
-                <a:endParaRPr lang="en-US" sz="1000" b="1" dirty="0">
-                  <a:latin typeface="Arial Black" panose="020B0A04020102020204" pitchFamily="34" charset="0"/>
+                <a:endParaRPr lang="en-US" sz="1800" b="1" dirty="0">
+                  <a:latin typeface="Arial" panose="020B0604020202020204" pitchFamily="34" charset="0"/>
+                  <a:cs typeface="Arial" panose="020B0604020202020204" pitchFamily="34" charset="0"/>
                 </a:endParaRPr>
               </a:p>
             </p:txBody>
@@ -4514,8 +4514,8 @@
             </p:nvSpPr>
             <p:spPr bwMode="auto">
               <a:xfrm>
-                <a:off x="737535" y="1696727"/>
-                <a:ext cx="551991" cy="143330"/>
+                <a:off x="694863" y="1633358"/>
+                <a:ext cx="670658" cy="103176"/>
               </a:xfrm>
               <a:prstGeom prst="rect">
                 <a:avLst/>
@@ -4597,8 +4597,9 @@
               <a:p>
                 <a:pPr algn="ctr"/>
                 <a:r>
-                  <a:rPr lang="en-US" sz="1000" b="1" dirty="0">
-                    <a:latin typeface="Arial Black" panose="020B0A04020102020204" pitchFamily="34" charset="0"/>
+                  <a:rPr lang="en-US" sz="1800" b="1" dirty="0">
+                    <a:latin typeface="Arial" panose="020B0604020202020204" pitchFamily="34" charset="0"/>
+                    <a:cs typeface="Arial" panose="020B0604020202020204" pitchFamily="34" charset="0"/>
                   </a:rPr>
                   <a:t>Lambda</a:t>
                 </a:r>
@@ -4615,7 +4616,7 @@
           <p:spPr>
             <a:xfrm>
               <a:off x="2236216" y="4295001"/>
-              <a:ext cx="389850" cy="276999"/>
+              <a:ext cx="461986" cy="369332"/>
             </a:xfrm>
             <a:prstGeom prst="rect">
               <a:avLst/>
@@ -4628,10 +4629,16 @@
             <a:lstStyle/>
             <a:p>
               <a:r>
-                <a:rPr lang="en-US" sz="1200" dirty="0" smtClean="0"/>
+                <a:rPr lang="en-US" dirty="0" smtClean="0">
+                  <a:latin typeface="Arial" panose="020B0604020202020204" pitchFamily="34" charset="0"/>
+                  <a:cs typeface="Arial" panose="020B0604020202020204" pitchFamily="34" charset="0"/>
+                </a:rPr>
                 <a:t>❶</a:t>
               </a:r>
-              <a:endParaRPr lang="en-US" sz="1200" dirty="0"/>
+              <a:endParaRPr lang="en-US" dirty="0">
+                <a:latin typeface="Arial" panose="020B0604020202020204" pitchFamily="34" charset="0"/>
+                <a:cs typeface="Arial" panose="020B0604020202020204" pitchFamily="34" charset="0"/>
+              </a:endParaRPr>
             </a:p>
           </p:txBody>
         </p:sp>
@@ -4644,7 +4651,59 @@
           <p:spPr>
             <a:xfrm>
               <a:off x="2057400" y="5029200"/>
-              <a:ext cx="389850" cy="276999"/>
+              <a:ext cx="312906" cy="369332"/>
+            </a:xfrm>
+            <a:prstGeom prst="rect">
+              <a:avLst/>
+            </a:prstGeom>
+          </p:spPr>
+          <p:style>
+            <a:lnRef idx="2">
+              <a:schemeClr val="dk1"/>
+            </a:lnRef>
+            <a:fillRef idx="1">
+              <a:schemeClr val="lt1"/>
+            </a:fillRef>
+            <a:effectRef idx="0">
+              <a:schemeClr val="dk1"/>
+            </a:effectRef>
+            <a:fontRef idx="minor">
+              <a:schemeClr val="dk1"/>
+            </a:fontRef>
+          </p:style>
+          <p:txBody>
+            <a:bodyPr wrap="none">
+              <a:spAutoFit/>
+            </a:bodyPr>
+            <a:lstStyle/>
+            <a:p>
+              <a:r>
+                <a:rPr lang="en-US" dirty="0" smtClean="0">
+                  <a:solidFill>
+                    <a:prstClr val="black"/>
+                  </a:solidFill>
+                  <a:latin typeface="Arial" panose="020B0604020202020204" pitchFamily="34" charset="0"/>
+                  <a:cs typeface="Arial" panose="020B0604020202020204" pitchFamily="34" charset="0"/>
+                </a:rPr>
+                <a:t>5</a:t>
+              </a:r>
+              <a:endParaRPr lang="en-US" dirty="0">
+                <a:latin typeface="Arial" panose="020B0604020202020204" pitchFamily="34" charset="0"/>
+                <a:cs typeface="Arial" panose="020B0604020202020204" pitchFamily="34" charset="0"/>
+              </a:endParaRPr>
+            </a:p>
+          </p:txBody>
+        </p:sp>
+        <p:sp>
+          <p:nvSpPr>
+            <p:cNvPr id="19" name="Rectangle 18"/>
+            <p:cNvSpPr/>
+            <p:nvPr/>
+          </p:nvSpPr>
+          <p:spPr>
+            <a:xfrm>
+              <a:off x="2417699" y="2771001"/>
+              <a:ext cx="803425" cy="369332"/>
             </a:xfrm>
             <a:prstGeom prst="rect">
               <a:avLst/>
@@ -4657,27 +4716,42 @@
             <a:lstStyle/>
             <a:p>
               <a:r>
-                <a:rPr lang="en-US" sz="1200" dirty="0" smtClean="0">
+                <a:rPr lang="en-US" dirty="0" smtClean="0">
                   <a:solidFill>
                     <a:prstClr val="black"/>
                   </a:solidFill>
+                  <a:latin typeface="Arial" panose="020B0604020202020204" pitchFamily="34" charset="0"/>
+                  <a:cs typeface="Arial" panose="020B0604020202020204" pitchFamily="34" charset="0"/>
                 </a:rPr>
-                <a:t>❷</a:t>
+                <a:t>❸</a:t>
               </a:r>
-              <a:endParaRPr lang="en-US" dirty="0"/>
+              <a:r>
+                <a:rPr lang="en-US" dirty="0">
+                  <a:solidFill>
+                    <a:prstClr val="black"/>
+                  </a:solidFill>
+                  <a:latin typeface="Arial" panose="020B0604020202020204" pitchFamily="34" charset="0"/>
+                  <a:cs typeface="Arial" panose="020B0604020202020204" pitchFamily="34" charset="0"/>
+                </a:rPr>
+                <a:t> ❻</a:t>
+              </a:r>
+              <a:endParaRPr lang="en-US" dirty="0">
+                <a:latin typeface="Arial" panose="020B0604020202020204" pitchFamily="34" charset="0"/>
+                <a:cs typeface="Arial" panose="020B0604020202020204" pitchFamily="34" charset="0"/>
+              </a:endParaRPr>
             </a:p>
           </p:txBody>
         </p:sp>
         <p:sp>
           <p:nvSpPr>
-            <p:cNvPr id="19" name="Rectangle 18"/>
+            <p:cNvPr id="21" name="Rectangle 20"/>
             <p:cNvSpPr/>
             <p:nvPr/>
           </p:nvSpPr>
           <p:spPr>
             <a:xfrm>
-              <a:off x="2417699" y="2771001"/>
-              <a:ext cx="630301" cy="276999"/>
+              <a:off x="1828800" y="4295001"/>
+              <a:ext cx="461986" cy="369332"/>
             </a:xfrm>
             <a:prstGeom prst="rect">
               <a:avLst/>
@@ -4690,55 +4764,19 @@
             <a:lstStyle/>
             <a:p>
               <a:r>
-                <a:rPr lang="en-US" sz="1200" dirty="0" smtClean="0">
+                <a:rPr lang="en-US" dirty="0">
                   <a:solidFill>
                     <a:prstClr val="black"/>
                   </a:solidFill>
-                </a:rPr>
-                <a:t>❸</a:t>
-              </a:r>
-              <a:r>
-                <a:rPr lang="en-US" sz="1200" dirty="0">
-                  <a:solidFill>
-                    <a:prstClr val="black"/>
-                  </a:solidFill>
-                </a:rPr>
-                <a:t> ❻</a:t>
-              </a:r>
-              <a:endParaRPr lang="en-US" dirty="0"/>
-            </a:p>
-          </p:txBody>
-        </p:sp>
-        <p:sp>
-          <p:nvSpPr>
-            <p:cNvPr id="21" name="Rectangle 20"/>
-            <p:cNvSpPr/>
-            <p:nvPr/>
-          </p:nvSpPr>
-          <p:spPr>
-            <a:xfrm>
-              <a:off x="1828800" y="4295001"/>
-              <a:ext cx="389850" cy="276999"/>
-            </a:xfrm>
-            <a:prstGeom prst="rect">
-              <a:avLst/>
-            </a:prstGeom>
-          </p:spPr>
-          <p:txBody>
-            <a:bodyPr wrap="none">
-              <a:spAutoFit/>
-            </a:bodyPr>
-            <a:lstStyle/>
-            <a:p>
-              <a:r>
-                <a:rPr lang="en-US" sz="1200" dirty="0">
-                  <a:solidFill>
-                    <a:prstClr val="black"/>
-                  </a:solidFill>
+                  <a:latin typeface="Arial" panose="020B0604020202020204" pitchFamily="34" charset="0"/>
+                  <a:cs typeface="Arial" panose="020B0604020202020204" pitchFamily="34" charset="0"/>
                 </a:rPr>
                 <a:t>❹</a:t>
               </a:r>
-              <a:endParaRPr lang="en-US" dirty="0"/>
+              <a:endParaRPr lang="en-US" dirty="0">
+                <a:latin typeface="Arial" panose="020B0604020202020204" pitchFamily="34" charset="0"/>
+                <a:cs typeface="Arial" panose="020B0604020202020204" pitchFamily="34" charset="0"/>
+              </a:endParaRPr>
             </a:p>
           </p:txBody>
         </p:sp>
@@ -4751,12 +4789,26 @@
           <p:spPr>
             <a:xfrm>
               <a:off x="1676400" y="2771001"/>
-              <a:ext cx="389850" cy="276999"/>
+              <a:ext cx="312906" cy="369332"/>
             </a:xfrm>
             <a:prstGeom prst="rect">
               <a:avLst/>
             </a:prstGeom>
           </p:spPr>
+          <p:style>
+            <a:lnRef idx="2">
+              <a:schemeClr val="dk1"/>
+            </a:lnRef>
+            <a:fillRef idx="1">
+              <a:schemeClr val="lt1"/>
+            </a:fillRef>
+            <a:effectRef idx="0">
+              <a:schemeClr val="dk1"/>
+            </a:effectRef>
+            <a:fontRef idx="minor">
+              <a:schemeClr val="dk1"/>
+            </a:fontRef>
+          </p:style>
           <p:txBody>
             <a:bodyPr wrap="none">
               <a:spAutoFit/>
@@ -4764,14 +4816,19 @@
             <a:lstStyle/>
             <a:p>
               <a:r>
-                <a:rPr lang="en-US" sz="1200" dirty="0">
+                <a:rPr lang="en-US" dirty="0">
                   <a:solidFill>
                     <a:prstClr val="black"/>
                   </a:solidFill>
+                  <a:latin typeface="Arial" panose="020B0604020202020204" pitchFamily="34" charset="0"/>
+                  <a:cs typeface="Arial" panose="020B0604020202020204" pitchFamily="34" charset="0"/>
                 </a:rPr>
-                <a:t>❺</a:t>
+                <a:t>2</a:t>
               </a:r>
-              <a:endParaRPr lang="en-US" dirty="0"/>
+              <a:endParaRPr lang="en-US" dirty="0">
+                <a:latin typeface="Arial" panose="020B0604020202020204" pitchFamily="34" charset="0"/>
+                <a:cs typeface="Arial" panose="020B0604020202020204" pitchFamily="34" charset="0"/>
+              </a:endParaRPr>
             </a:p>
           </p:txBody>
         </p:sp>
@@ -4784,7 +4841,7 @@
           <p:spPr>
             <a:xfrm>
               <a:off x="1371600" y="1143000"/>
-              <a:ext cx="1751442" cy="369332"/>
+              <a:ext cx="1454244" cy="369332"/>
             </a:xfrm>
             <a:prstGeom prst="rect">
               <a:avLst/>
@@ -4799,12 +4856,14 @@
             <a:p>
               <a:r>
                 <a:rPr lang="en-US" dirty="0" smtClean="0">
-                  <a:latin typeface="Arial Black" panose="020B0A04020102020204" pitchFamily="34" charset="0"/>
+                  <a:latin typeface="Arial" panose="020B0604020202020204" pitchFamily="34" charset="0"/>
+                  <a:cs typeface="Arial" panose="020B0604020202020204" pitchFamily="34" charset="0"/>
                 </a:rPr>
                 <a:t>Implant Map</a:t>
               </a:r>
               <a:endParaRPr lang="en-US" dirty="0">
-                <a:latin typeface="Arial Black" panose="020B0A04020102020204" pitchFamily="34" charset="0"/>
+                <a:latin typeface="Arial" panose="020B0604020202020204" pitchFamily="34" charset="0"/>
+                <a:cs typeface="Arial" panose="020B0604020202020204" pitchFamily="34" charset="0"/>
               </a:endParaRPr>
             </a:p>
           </p:txBody>
@@ -4835,24 +4894,21 @@
             <a:pPr algn="ctr"/>
             <a:r>
               <a:rPr lang="en-US" dirty="0" err="1" smtClean="0">
-                <a:latin typeface="Arial Black" panose="020B0A04020102020204" pitchFamily="34" charset="0"/>
+                <a:latin typeface="Arial" panose="020B0604020202020204" pitchFamily="34" charset="0"/>
+                <a:cs typeface="Arial" panose="020B0604020202020204" pitchFamily="34" charset="0"/>
               </a:rPr>
               <a:t>Optrode</a:t>
             </a:r>
             <a:r>
               <a:rPr lang="en-US" dirty="0" smtClean="0">
-                <a:latin typeface="Arial Black" panose="020B0A04020102020204" pitchFamily="34" charset="0"/>
+                <a:latin typeface="Arial" panose="020B0604020202020204" pitchFamily="34" charset="0"/>
+                <a:cs typeface="Arial" panose="020B0604020202020204" pitchFamily="34" charset="0"/>
               </a:rPr>
-              <a:t> Pinnacle </a:t>
-            </a:r>
-            <a:r>
-              <a:rPr lang="en-US" dirty="0" smtClean="0">
-                <a:latin typeface="Arial Black" panose="020B0A04020102020204" pitchFamily="34" charset="0"/>
-              </a:rPr>
-              <a:t>3-Channel layout</a:t>
+              <a:t> Pinnacle 3-Channel layout</a:t>
             </a:r>
             <a:endParaRPr lang="en-US" dirty="0">
-              <a:latin typeface="Arial Black" panose="020B0A04020102020204" pitchFamily="34" charset="0"/>
+              <a:latin typeface="Arial" panose="020B0604020202020204" pitchFamily="34" charset="0"/>
+              <a:cs typeface="Arial" panose="020B0604020202020204" pitchFamily="34" charset="0"/>
             </a:endParaRPr>
           </a:p>
         </p:txBody>
@@ -4881,10 +4937,16 @@
           <a:p>
             <a:pPr algn="ctr"/>
             <a:r>
-              <a:rPr lang="en-US" dirty="0" smtClean="0"/>
+              <a:rPr lang="en-US" dirty="0" smtClean="0">
+                <a:latin typeface="Arial" panose="020B0604020202020204" pitchFamily="34" charset="0"/>
+                <a:cs typeface="Arial" panose="020B0604020202020204" pitchFamily="34" charset="0"/>
+              </a:rPr>
               <a:t>Nuchal muscle</a:t>
             </a:r>
-            <a:endParaRPr lang="en-US" dirty="0"/>
+            <a:endParaRPr lang="en-US" dirty="0">
+              <a:latin typeface="Arial" panose="020B0604020202020204" pitchFamily="34" charset="0"/>
+              <a:cs typeface="Arial" panose="020B0604020202020204" pitchFamily="34" charset="0"/>
+            </a:endParaRPr>
           </a:p>
         </p:txBody>
       </p:sp>
@@ -4897,7 +4959,7 @@
         <p:spPr>
           <a:xfrm>
             <a:off x="3623809" y="1211646"/>
-            <a:ext cx="998991" cy="307777"/>
+            <a:ext cx="1236236" cy="369332"/>
           </a:xfrm>
           <a:prstGeom prst="rect">
             <a:avLst/>
@@ -4911,13 +4973,13 @@
           <a:lstStyle/>
           <a:p>
             <a:r>
-              <a:rPr lang="en-US" sz="1400" b="1" dirty="0" smtClean="0">
+              <a:rPr lang="en-US" b="1" dirty="0" smtClean="0">
                 <a:latin typeface="Arial" panose="020B0604020202020204" pitchFamily="34" charset="0"/>
                 <a:cs typeface="Arial" panose="020B0604020202020204" pitchFamily="34" charset="0"/>
               </a:rPr>
               <a:t>White out</a:t>
             </a:r>
-            <a:endParaRPr lang="en-US" sz="1400" b="1" dirty="0">
+            <a:endParaRPr lang="en-US" b="1" dirty="0">
               <a:latin typeface="Arial" panose="020B0604020202020204" pitchFamily="34" charset="0"/>
               <a:cs typeface="Arial" panose="020B0604020202020204" pitchFamily="34" charset="0"/>
             </a:endParaRPr>
@@ -4934,8 +4996,8 @@
         </p:nvCxnSpPr>
         <p:spPr>
           <a:xfrm flipV="1">
-            <a:off x="4622800" y="978932"/>
-            <a:ext cx="406400" cy="386603"/>
+            <a:off x="4860045" y="978933"/>
+            <a:ext cx="169155" cy="417379"/>
           </a:xfrm>
           <a:prstGeom prst="straightConnector1">
             <a:avLst/>
@@ -4968,7 +5030,7 @@
         <p:spPr>
           <a:xfrm>
             <a:off x="1752600" y="1828800"/>
-            <a:ext cx="274434" cy="307777"/>
+            <a:ext cx="274434" cy="369332"/>
           </a:xfrm>
           <a:prstGeom prst="rect">
             <a:avLst/>
@@ -4995,10 +5057,12 @@
           <a:lstStyle/>
           <a:p>
             <a:r>
-              <a:rPr lang="en-US" sz="1400" dirty="0">
+              <a:rPr lang="en-US" dirty="0">
                 <a:solidFill>
                   <a:schemeClr val="bg1"/>
                 </a:solidFill>
+                <a:latin typeface="Arial" panose="020B0604020202020204" pitchFamily="34" charset="0"/>
+                <a:cs typeface="Arial" panose="020B0604020202020204" pitchFamily="34" charset="0"/>
               </a:rPr>
               <a:t>*</a:t>
             </a:r>
@@ -5014,9 +5078,9 @@
         <p:grpSpPr>
           <a:xfrm>
             <a:off x="4449966" y="5040868"/>
-            <a:ext cx="1732525" cy="372309"/>
+            <a:ext cx="1856918" cy="433864"/>
             <a:chOff x="4449966" y="5040868"/>
-            <a:chExt cx="1732525" cy="372309"/>
+            <a:chExt cx="1856918" cy="433864"/>
           </a:xfrm>
         </p:grpSpPr>
         <p:sp>
@@ -5028,7 +5092,7 @@
           <p:spPr>
             <a:xfrm>
               <a:off x="4449966" y="5105400"/>
-              <a:ext cx="274434" cy="307777"/>
+              <a:ext cx="274434" cy="369332"/>
             </a:xfrm>
             <a:prstGeom prst="rect">
               <a:avLst/>
@@ -5055,10 +5119,12 @@
             <a:lstStyle/>
             <a:p>
               <a:r>
-                <a:rPr lang="en-US" sz="1400" dirty="0">
+                <a:rPr lang="en-US" dirty="0">
                   <a:solidFill>
                     <a:schemeClr val="bg1"/>
                   </a:solidFill>
+                  <a:latin typeface="Arial" panose="020B0604020202020204" pitchFamily="34" charset="0"/>
+                  <a:cs typeface="Arial" panose="020B0604020202020204" pitchFamily="34" charset="0"/>
                 </a:rPr>
                 <a:t>*</a:t>
               </a:r>
@@ -5074,7 +5140,7 @@
           <p:spPr>
             <a:xfrm>
               <a:off x="4724400" y="5040868"/>
-              <a:ext cx="1458091" cy="369332"/>
+              <a:ext cx="1582484" cy="369332"/>
             </a:xfrm>
             <a:prstGeom prst="rect">
               <a:avLst/>
@@ -5088,10 +5154,16 @@
             <a:lstStyle/>
             <a:p>
               <a:r>
-                <a:rPr lang="en-US" dirty="0" smtClean="0"/>
+                <a:rPr lang="en-US" dirty="0" smtClean="0">
+                  <a:latin typeface="Arial" panose="020B0604020202020204" pitchFamily="34" charset="0"/>
+                  <a:cs typeface="Arial" panose="020B0604020202020204" pitchFamily="34" charset="0"/>
+                </a:rPr>
                 <a:t>Anchor screw</a:t>
               </a:r>
-              <a:endParaRPr lang="en-US" dirty="0"/>
+              <a:endParaRPr lang="en-US" dirty="0">
+                <a:latin typeface="Arial" panose="020B0604020202020204" pitchFamily="34" charset="0"/>
+                <a:cs typeface="Arial" panose="020B0604020202020204" pitchFamily="34" charset="0"/>
+              </a:endParaRPr>
             </a:p>
           </p:txBody>
         </p:sp>
@@ -5105,7 +5177,7 @@
         <p:spPr>
           <a:xfrm>
             <a:off x="2316366" y="1752600"/>
-            <a:ext cx="274434" cy="307777"/>
+            <a:ext cx="274434" cy="369332"/>
           </a:xfrm>
           <a:prstGeom prst="rect">
             <a:avLst/>
@@ -5132,16 +5204,339 @@
           <a:lstStyle/>
           <a:p>
             <a:r>
-              <a:rPr lang="en-US" sz="1400" dirty="0">
+              <a:rPr lang="en-US" dirty="0">
                 <a:solidFill>
                   <a:schemeClr val="bg1"/>
                 </a:solidFill>
+                <a:latin typeface="Arial" panose="020B0604020202020204" pitchFamily="34" charset="0"/>
+                <a:cs typeface="Arial" panose="020B0604020202020204" pitchFamily="34" charset="0"/>
               </a:rPr>
               <a:t>*</a:t>
             </a:r>
           </a:p>
         </p:txBody>
       </p:sp>
+      <mc:AlternateContent xmlns:mc="http://schemas.openxmlformats.org/markup-compatibility/2006" xmlns:a14="http://schemas.microsoft.com/office/drawing/2010/main">
+        <mc:Choice Requires="a14">
+          <p:sp>
+            <p:nvSpPr>
+              <p:cNvPr id="32" name="TextBox 10"/>
+              <p:cNvSpPr txBox="1"/>
+              <p:nvPr/>
+            </p:nvSpPr>
+            <p:spPr>
+              <a:xfrm>
+                <a:off x="4572000" y="5638800"/>
+                <a:ext cx="3124200" cy="522579"/>
+              </a:xfrm>
+              <a:prstGeom prst="rect">
+                <a:avLst/>
+              </a:prstGeom>
+              <a:noFill/>
+            </p:spPr>
+            <p:style>
+              <a:lnRef idx="0">
+                <a:scrgbClr r="0" g="0" b="0"/>
+              </a:lnRef>
+              <a:fillRef idx="0">
+                <a:scrgbClr r="0" g="0" b="0"/>
+              </a:fillRef>
+              <a:effectRef idx="0">
+                <a:scrgbClr r="0" g="0" b="0"/>
+              </a:effectRef>
+              <a:fontRef idx="minor">
+                <a:schemeClr val="tx1"/>
+              </a:fontRef>
+            </p:style>
+            <p:txBody>
+              <a:bodyPr wrap="square" rtlCol="0" anchor="t">
+                <a:spAutoFit/>
+              </a:bodyPr>
+              <a:lstStyle>
+                <a:lvl1pPr marL="0" indent="0">
+                  <a:defRPr sz="1100">
+                    <a:solidFill>
+                      <a:schemeClr val="tx1"/>
+                    </a:solidFill>
+                    <a:latin typeface="+mn-lt"/>
+                    <a:ea typeface="+mn-ea"/>
+                    <a:cs typeface="+mn-cs"/>
+                  </a:defRPr>
+                </a:lvl1pPr>
+                <a:lvl2pPr marL="457200" indent="0">
+                  <a:defRPr sz="1100">
+                    <a:solidFill>
+                      <a:schemeClr val="tx1"/>
+                    </a:solidFill>
+                    <a:latin typeface="+mn-lt"/>
+                    <a:ea typeface="+mn-ea"/>
+                    <a:cs typeface="+mn-cs"/>
+                  </a:defRPr>
+                </a:lvl2pPr>
+                <a:lvl3pPr marL="914400" indent="0">
+                  <a:defRPr sz="1100">
+                    <a:solidFill>
+                      <a:schemeClr val="tx1"/>
+                    </a:solidFill>
+                    <a:latin typeface="+mn-lt"/>
+                    <a:ea typeface="+mn-ea"/>
+                    <a:cs typeface="+mn-cs"/>
+                  </a:defRPr>
+                </a:lvl3pPr>
+                <a:lvl4pPr marL="1371600" indent="0">
+                  <a:defRPr sz="1100">
+                    <a:solidFill>
+                      <a:schemeClr val="tx1"/>
+                    </a:solidFill>
+                    <a:latin typeface="+mn-lt"/>
+                    <a:ea typeface="+mn-ea"/>
+                    <a:cs typeface="+mn-cs"/>
+                  </a:defRPr>
+                </a:lvl4pPr>
+                <a:lvl5pPr marL="1828800" indent="0">
+                  <a:defRPr sz="1100">
+                    <a:solidFill>
+                      <a:schemeClr val="tx1"/>
+                    </a:solidFill>
+                    <a:latin typeface="+mn-lt"/>
+                    <a:ea typeface="+mn-ea"/>
+                    <a:cs typeface="+mn-cs"/>
+                  </a:defRPr>
+                </a:lvl5pPr>
+                <a:lvl6pPr marL="2286000" indent="0">
+                  <a:defRPr sz="1100">
+                    <a:solidFill>
+                      <a:schemeClr val="tx1"/>
+                    </a:solidFill>
+                    <a:latin typeface="+mn-lt"/>
+                    <a:ea typeface="+mn-ea"/>
+                    <a:cs typeface="+mn-cs"/>
+                  </a:defRPr>
+                </a:lvl6pPr>
+                <a:lvl7pPr marL="2743200" indent="0">
+                  <a:defRPr sz="1100">
+                    <a:solidFill>
+                      <a:schemeClr val="tx1"/>
+                    </a:solidFill>
+                    <a:latin typeface="+mn-lt"/>
+                    <a:ea typeface="+mn-ea"/>
+                    <a:cs typeface="+mn-cs"/>
+                  </a:defRPr>
+                </a:lvl7pPr>
+                <a:lvl8pPr marL="3200400" indent="0">
+                  <a:defRPr sz="1100">
+                    <a:solidFill>
+                      <a:schemeClr val="tx1"/>
+                    </a:solidFill>
+                    <a:latin typeface="+mn-lt"/>
+                    <a:ea typeface="+mn-ea"/>
+                    <a:cs typeface="+mn-cs"/>
+                  </a:defRPr>
+                </a:lvl8pPr>
+                <a:lvl9pPr marL="3657600" indent="0">
+                  <a:defRPr sz="1100">
+                    <a:solidFill>
+                      <a:schemeClr val="tx1"/>
+                    </a:solidFill>
+                    <a:latin typeface="+mn-lt"/>
+                    <a:ea typeface="+mn-ea"/>
+                    <a:cs typeface="+mn-cs"/>
+                  </a:defRPr>
+                </a:lvl9pPr>
+              </a:lstStyle>
+              <a:p>
+                <a:r>
+                  <a:rPr lang="en-US" sz="1800" dirty="0">
+                    <a:latin typeface="Arial" panose="020B0604020202020204" pitchFamily="34" charset="0"/>
+                    <a:cs typeface="Arial" panose="020B0604020202020204" pitchFamily="34" charset="0"/>
+                  </a:rPr>
+                  <a:t>Adjust</a:t>
+                </a:r>
+                <a:r>
+                  <a:rPr lang="en-US" sz="1800" baseline="0" dirty="0">
+                    <a:latin typeface="Arial" panose="020B0604020202020204" pitchFamily="34" charset="0"/>
+                    <a:cs typeface="Arial" panose="020B0604020202020204" pitchFamily="34" charset="0"/>
+                  </a:rPr>
+                  <a:t> ratio </a:t>
+                </a:r>
+                <a14:m>
+                  <m:oMath xmlns:m="http://schemas.openxmlformats.org/officeDocument/2006/math">
+                    <m:r>
+                      <a:rPr lang="en-US" sz="1800" i="1">
+                        <a:latin typeface="Cambria Math"/>
+                      </a:rPr>
+                      <m:t>=</m:t>
+                    </m:r>
+                    <m:f>
+                      <m:fPr>
+                        <m:ctrlPr>
+                          <a:rPr lang="en-US" sz="1800" i="1">
+                            <a:latin typeface="Cambria Math"/>
+                          </a:rPr>
+                        </m:ctrlPr>
+                      </m:fPr>
+                      <m:num>
+                        <m:r>
+                          <a:rPr lang="en-US" sz="1800" b="0" i="1">
+                            <a:latin typeface="Cambria Math"/>
+                          </a:rPr>
+                          <m:t>𝑀𝑒𝑎𝑠𝑢𝑟𝑒𝑑</m:t>
+                        </m:r>
+                        <m:r>
+                          <a:rPr lang="en-US" sz="1800" b="0" i="1">
+                            <a:latin typeface="Cambria Math"/>
+                          </a:rPr>
+                          <m:t> </m:t>
+                        </m:r>
+                        <m:r>
+                          <a:rPr lang="en-US" sz="1800" b="0" i="1">
+                            <a:latin typeface="Cambria Math"/>
+                          </a:rPr>
+                          <m:t>𝑋</m:t>
+                        </m:r>
+                        <m:r>
+                          <a:rPr lang="en-US" sz="1800" b="0" i="1">
+                            <a:latin typeface="Cambria Math"/>
+                          </a:rPr>
+                          <m:t> </m:t>
+                        </m:r>
+                        <m:r>
+                          <a:rPr lang="en-US" sz="1800" b="0" i="1" baseline="-25000">
+                            <a:latin typeface="Cambria Math"/>
+                          </a:rPr>
+                          <m:t>𝐵</m:t>
+                        </m:r>
+                        <m:r>
+                          <a:rPr lang="en-US" sz="1800" b="0" i="1" baseline="-25000">
+                            <a:latin typeface="Cambria Math"/>
+                          </a:rPr>
+                          <m:t>−</m:t>
+                        </m:r>
+                        <m:r>
+                          <a:rPr lang="en-US" sz="1800" b="0" i="1" baseline="-25000">
+                            <a:latin typeface="Cambria Math"/>
+                          </a:rPr>
+                          <m:t>𝐿</m:t>
+                        </m:r>
+                      </m:num>
+                      <m:den>
+                        <m:r>
+                          <a:rPr lang="en-US" sz="1800" b="0" i="1">
+                            <a:latin typeface="Cambria Math"/>
+                          </a:rPr>
+                          <m:t>𝑅𝑒𝑓𝑒𝑟𝑒𝑛𝑐𝑒</m:t>
+                        </m:r>
+                        <m:r>
+                          <a:rPr lang="en-US" sz="1800" b="0" i="1">
+                            <a:solidFill>
+                              <a:schemeClr val="tx1"/>
+                            </a:solidFill>
+                            <a:effectLst/>
+                            <a:latin typeface="Cambria Math"/>
+                          </a:rPr>
+                          <m:t> </m:t>
+                        </m:r>
+                        <m:r>
+                          <a:rPr lang="en-US" sz="1800" b="0" i="1">
+                            <a:solidFill>
+                              <a:schemeClr val="tx1"/>
+                            </a:solidFill>
+                            <a:effectLst/>
+                            <a:latin typeface="Cambria Math"/>
+                          </a:rPr>
+                          <m:t>𝑋</m:t>
+                        </m:r>
+                        <m:r>
+                          <a:rPr lang="en-US" sz="1800" b="0" i="1">
+                            <a:solidFill>
+                              <a:schemeClr val="tx1"/>
+                            </a:solidFill>
+                            <a:effectLst/>
+                            <a:latin typeface="Cambria Math"/>
+                          </a:rPr>
+                          <m:t> </m:t>
+                        </m:r>
+                        <m:r>
+                          <a:rPr lang="en-US" sz="1800" b="0" i="1" baseline="-25000">
+                            <a:solidFill>
+                              <a:schemeClr val="tx1"/>
+                            </a:solidFill>
+                            <a:effectLst/>
+                            <a:latin typeface="Cambria Math"/>
+                          </a:rPr>
+                          <m:t>𝐵</m:t>
+                        </m:r>
+                        <m:r>
+                          <a:rPr lang="en-US" sz="1800" b="0" i="1" baseline="-25000">
+                            <a:solidFill>
+                              <a:schemeClr val="tx1"/>
+                            </a:solidFill>
+                            <a:effectLst/>
+                            <a:latin typeface="Cambria Math"/>
+                          </a:rPr>
+                          <m:t>−</m:t>
+                        </m:r>
+                        <m:r>
+                          <a:rPr lang="en-US" sz="1800" b="0" i="1" baseline="-25000">
+                            <a:solidFill>
+                              <a:schemeClr val="tx1"/>
+                            </a:solidFill>
+                            <a:effectLst/>
+                            <a:latin typeface="Cambria Math"/>
+                          </a:rPr>
+                          <m:t>𝐿</m:t>
+                        </m:r>
+                      </m:den>
+                    </m:f>
+                  </m:oMath>
+                </a14:m>
+                <a:endParaRPr lang="en-US" sz="1800" dirty="0">
+                  <a:latin typeface="Arial" panose="020B0604020202020204" pitchFamily="34" charset="0"/>
+                  <a:cs typeface="Arial" panose="020B0604020202020204" pitchFamily="34" charset="0"/>
+                </a:endParaRPr>
+              </a:p>
+            </p:txBody>
+          </p:sp>
+        </mc:Choice>
+        <mc:Fallback xmlns="">
+          <p:sp>
+            <p:nvSpPr>
+              <p:cNvPr id="32" name="TextBox 10"/>
+              <p:cNvSpPr txBox="1">
+                <a:spLocks noRot="1" noChangeAspect="1" noMove="1" noResize="1" noEditPoints="1" noAdjustHandles="1" noChangeArrowheads="1" noChangeShapeType="1" noTextEdit="1"/>
+              </p:cNvSpPr>
+              <p:nvPr/>
+            </p:nvSpPr>
+            <p:spPr>
+              <a:xfrm>
+                <a:off x="4572000" y="5638800"/>
+                <a:ext cx="3124200" cy="522579"/>
+              </a:xfrm>
+              <a:prstGeom prst="rect">
+                <a:avLst/>
+              </a:prstGeom>
+              <a:blipFill rotWithShape="1">
+                <a:blip r:embed="rId4"/>
+                <a:stretch>
+                  <a:fillRect l="-1559" b="-6977"/>
+                </a:stretch>
+              </a:blipFill>
+            </p:spPr>
+            <p:txBody>
+              <a:bodyPr/>
+              <a:lstStyle/>
+              <a:p>
+                <a:r>
+                  <a:rPr lang="en-US">
+                    <a:noFill/>
+                  </a:rPr>
+                  <a:t> </a:t>
+                </a:r>
+              </a:p>
+            </p:txBody>
+          </p:sp>
+        </mc:Fallback>
+      </mc:AlternateContent>
     </p:spTree>
     <p:extLst>
       <p:ext uri="{BB962C8B-B14F-4D97-AF65-F5344CB8AC3E}">

--- a/_Experiments/_PROTOCOLs/_Surgery/_templates/RM1optrode-LM1-EMG layout.pptx
+++ b/_Experiments/_PROTOCOLs/_Surgery/_templates/RM1optrode-LM1-EMG layout.pptx
@@ -109,7 +109,7 @@
   </p:defaultTextStyle>
   <p:extLst>
     <p:ext uri="{EFAFB233-063F-42B5-8137-9DF3F51BA10A}">
-      <p15:sldGuideLst xmlns="" xmlns:p15="http://schemas.microsoft.com/office/powerpoint/2012/main">
+      <p15:sldGuideLst xmlns:p15="http://schemas.microsoft.com/office/powerpoint/2012/main" xmlns="">
         <p15:guide id="1" orient="horz" pos="2160">
           <p15:clr>
             <a:srgbClr val="A4A3A4"/>
@@ -208,7 +208,7 @@
           <a:p>
             <a:fld id="{46F8F2C1-8A14-4773-BC69-077AA6BEF8AA}" type="datetimeFigureOut">
               <a:rPr lang="en-US" smtClean="0"/>
-              <a:t>5/3/2017</a:t>
+              <a:t>6/21/2017</a:t>
             </a:fld>
             <a:endParaRPr lang="en-US"/>
           </a:p>
@@ -741,7 +741,7 @@
           <a:p>
             <a:fld id="{A4E24B33-863B-4BDB-B3BB-1315F1051867}" type="datetimeFigureOut">
               <a:rPr lang="en-US" smtClean="0"/>
-              <a:t>5/3/2017</a:t>
+              <a:t>6/21/2017</a:t>
             </a:fld>
             <a:endParaRPr lang="en-US"/>
           </a:p>
@@ -911,7 +911,7 @@
           <a:p>
             <a:fld id="{A4E24B33-863B-4BDB-B3BB-1315F1051867}" type="datetimeFigureOut">
               <a:rPr lang="en-US" smtClean="0"/>
-              <a:t>5/3/2017</a:t>
+              <a:t>6/21/2017</a:t>
             </a:fld>
             <a:endParaRPr lang="en-US"/>
           </a:p>
@@ -1091,7 +1091,7 @@
           <a:p>
             <a:fld id="{A4E24B33-863B-4BDB-B3BB-1315F1051867}" type="datetimeFigureOut">
               <a:rPr lang="en-US" smtClean="0"/>
-              <a:t>5/3/2017</a:t>
+              <a:t>6/21/2017</a:t>
             </a:fld>
             <a:endParaRPr lang="en-US"/>
           </a:p>
@@ -1261,7 +1261,7 @@
           <a:p>
             <a:fld id="{A4E24B33-863B-4BDB-B3BB-1315F1051867}" type="datetimeFigureOut">
               <a:rPr lang="en-US" smtClean="0"/>
-              <a:t>5/3/2017</a:t>
+              <a:t>6/21/2017</a:t>
             </a:fld>
             <a:endParaRPr lang="en-US"/>
           </a:p>
@@ -1507,7 +1507,7 @@
           <a:p>
             <a:fld id="{A4E24B33-863B-4BDB-B3BB-1315F1051867}" type="datetimeFigureOut">
               <a:rPr lang="en-US" smtClean="0"/>
-              <a:t>5/3/2017</a:t>
+              <a:t>6/21/2017</a:t>
             </a:fld>
             <a:endParaRPr lang="en-US"/>
           </a:p>
@@ -1795,7 +1795,7 @@
           <a:p>
             <a:fld id="{A4E24B33-863B-4BDB-B3BB-1315F1051867}" type="datetimeFigureOut">
               <a:rPr lang="en-US" smtClean="0"/>
-              <a:t>5/3/2017</a:t>
+              <a:t>6/21/2017</a:t>
             </a:fld>
             <a:endParaRPr lang="en-US"/>
           </a:p>
@@ -2217,7 +2217,7 @@
           <a:p>
             <a:fld id="{A4E24B33-863B-4BDB-B3BB-1315F1051867}" type="datetimeFigureOut">
               <a:rPr lang="en-US" smtClean="0"/>
-              <a:t>5/3/2017</a:t>
+              <a:t>6/21/2017</a:t>
             </a:fld>
             <a:endParaRPr lang="en-US"/>
           </a:p>
@@ -2335,7 +2335,7 @@
           <a:p>
             <a:fld id="{A4E24B33-863B-4BDB-B3BB-1315F1051867}" type="datetimeFigureOut">
               <a:rPr lang="en-US" smtClean="0"/>
-              <a:t>5/3/2017</a:t>
+              <a:t>6/21/2017</a:t>
             </a:fld>
             <a:endParaRPr lang="en-US"/>
           </a:p>
@@ -2430,7 +2430,7 @@
           <a:p>
             <a:fld id="{A4E24B33-863B-4BDB-B3BB-1315F1051867}" type="datetimeFigureOut">
               <a:rPr lang="en-US" smtClean="0"/>
-              <a:t>5/3/2017</a:t>
+              <a:t>6/21/2017</a:t>
             </a:fld>
             <a:endParaRPr lang="en-US"/>
           </a:p>
@@ -2707,7 +2707,7 @@
           <a:p>
             <a:fld id="{A4E24B33-863B-4BDB-B3BB-1315F1051867}" type="datetimeFigureOut">
               <a:rPr lang="en-US" smtClean="0"/>
-              <a:t>5/3/2017</a:t>
+              <a:t>6/21/2017</a:t>
             </a:fld>
             <a:endParaRPr lang="en-US"/>
           </a:p>
@@ -2960,7 +2960,7 @@
           <a:p>
             <a:fld id="{A4E24B33-863B-4BDB-B3BB-1315F1051867}" type="datetimeFigureOut">
               <a:rPr lang="en-US" smtClean="0"/>
-              <a:t>5/3/2017</a:t>
+              <a:t>6/21/2017</a:t>
             </a:fld>
             <a:endParaRPr lang="en-US"/>
           </a:p>
@@ -3173,7 +3173,7 @@
           <a:p>
             <a:fld id="{A4E24B33-863B-4BDB-B3BB-1315F1051867}" type="datetimeFigureOut">
               <a:rPr lang="en-US" smtClean="0"/>
-              <a:t>5/3/2017</a:t>
+              <a:t>6/21/2017</a:t>
             </a:fld>
             <a:endParaRPr lang="en-US"/>
           </a:p>

--- a/_Experiments/_PROTOCOLs/_Surgery/_templates/RM1optrode-LM1-EMG layout.pptx
+++ b/_Experiments/_PROTOCOLs/_Surgery/_templates/RM1optrode-LM1-EMG layout.pptx
@@ -109,7 +109,7 @@
   </p:defaultTextStyle>
   <p:extLst>
     <p:ext uri="{EFAFB233-063F-42B5-8137-9DF3F51BA10A}">
-      <p15:sldGuideLst xmlns:p15="http://schemas.microsoft.com/office/powerpoint/2012/main" xmlns="">
+      <p15:sldGuideLst xmlns="" xmlns:p15="http://schemas.microsoft.com/office/powerpoint/2012/main">
         <p15:guide id="1" orient="horz" pos="2160">
           <p15:clr>
             <a:srgbClr val="A4A3A4"/>
@@ -208,7 +208,7 @@
           <a:p>
             <a:fld id="{46F8F2C1-8A14-4773-BC69-077AA6BEF8AA}" type="datetimeFigureOut">
               <a:rPr lang="en-US" smtClean="0"/>
-              <a:t>6/21/2017</a:t>
+              <a:t>6/27/2017</a:t>
             </a:fld>
             <a:endParaRPr lang="en-US"/>
           </a:p>
@@ -741,7 +741,7 @@
           <a:p>
             <a:fld id="{A4E24B33-863B-4BDB-B3BB-1315F1051867}" type="datetimeFigureOut">
               <a:rPr lang="en-US" smtClean="0"/>
-              <a:t>6/21/2017</a:t>
+              <a:t>6/27/2017</a:t>
             </a:fld>
             <a:endParaRPr lang="en-US"/>
           </a:p>
@@ -911,7 +911,7 @@
           <a:p>
             <a:fld id="{A4E24B33-863B-4BDB-B3BB-1315F1051867}" type="datetimeFigureOut">
               <a:rPr lang="en-US" smtClean="0"/>
-              <a:t>6/21/2017</a:t>
+              <a:t>6/27/2017</a:t>
             </a:fld>
             <a:endParaRPr lang="en-US"/>
           </a:p>
@@ -1091,7 +1091,7 @@
           <a:p>
             <a:fld id="{A4E24B33-863B-4BDB-B3BB-1315F1051867}" type="datetimeFigureOut">
               <a:rPr lang="en-US" smtClean="0"/>
-              <a:t>6/21/2017</a:t>
+              <a:t>6/27/2017</a:t>
             </a:fld>
             <a:endParaRPr lang="en-US"/>
           </a:p>
@@ -1261,7 +1261,7 @@
           <a:p>
             <a:fld id="{A4E24B33-863B-4BDB-B3BB-1315F1051867}" type="datetimeFigureOut">
               <a:rPr lang="en-US" smtClean="0"/>
-              <a:t>6/21/2017</a:t>
+              <a:t>6/27/2017</a:t>
             </a:fld>
             <a:endParaRPr lang="en-US"/>
           </a:p>
@@ -1507,7 +1507,7 @@
           <a:p>
             <a:fld id="{A4E24B33-863B-4BDB-B3BB-1315F1051867}" type="datetimeFigureOut">
               <a:rPr lang="en-US" smtClean="0"/>
-              <a:t>6/21/2017</a:t>
+              <a:t>6/27/2017</a:t>
             </a:fld>
             <a:endParaRPr lang="en-US"/>
           </a:p>
@@ -1795,7 +1795,7 @@
           <a:p>
             <a:fld id="{A4E24B33-863B-4BDB-B3BB-1315F1051867}" type="datetimeFigureOut">
               <a:rPr lang="en-US" smtClean="0"/>
-              <a:t>6/21/2017</a:t>
+              <a:t>6/27/2017</a:t>
             </a:fld>
             <a:endParaRPr lang="en-US"/>
           </a:p>
@@ -2217,7 +2217,7 @@
           <a:p>
             <a:fld id="{A4E24B33-863B-4BDB-B3BB-1315F1051867}" type="datetimeFigureOut">
               <a:rPr lang="en-US" smtClean="0"/>
-              <a:t>6/21/2017</a:t>
+              <a:t>6/27/2017</a:t>
             </a:fld>
             <a:endParaRPr lang="en-US"/>
           </a:p>
@@ -2335,7 +2335,7 @@
           <a:p>
             <a:fld id="{A4E24B33-863B-4BDB-B3BB-1315F1051867}" type="datetimeFigureOut">
               <a:rPr lang="en-US" smtClean="0"/>
-              <a:t>6/21/2017</a:t>
+              <a:t>6/27/2017</a:t>
             </a:fld>
             <a:endParaRPr lang="en-US"/>
           </a:p>
@@ -2430,7 +2430,7 @@
           <a:p>
             <a:fld id="{A4E24B33-863B-4BDB-B3BB-1315F1051867}" type="datetimeFigureOut">
               <a:rPr lang="en-US" smtClean="0"/>
-              <a:t>6/21/2017</a:t>
+              <a:t>6/27/2017</a:t>
             </a:fld>
             <a:endParaRPr lang="en-US"/>
           </a:p>
@@ -2707,7 +2707,7 @@
           <a:p>
             <a:fld id="{A4E24B33-863B-4BDB-B3BB-1315F1051867}" type="datetimeFigureOut">
               <a:rPr lang="en-US" smtClean="0"/>
-              <a:t>6/21/2017</a:t>
+              <a:t>6/27/2017</a:t>
             </a:fld>
             <a:endParaRPr lang="en-US"/>
           </a:p>
@@ -2960,7 +2960,7 @@
           <a:p>
             <a:fld id="{A4E24B33-863B-4BDB-B3BB-1315F1051867}" type="datetimeFigureOut">
               <a:rPr lang="en-US" smtClean="0"/>
-              <a:t>6/21/2017</a:t>
+              <a:t>6/27/2017</a:t>
             </a:fld>
             <a:endParaRPr lang="en-US"/>
           </a:p>
@@ -3173,7 +3173,7 @@
           <a:p>
             <a:fld id="{A4E24B33-863B-4BDB-B3BB-1315F1051867}" type="datetimeFigureOut">
               <a:rPr lang="en-US" smtClean="0"/>
-              <a:t>6/21/2017</a:t>
+              <a:t>6/27/2017</a:t>
             </a:fld>
             <a:endParaRPr lang="en-US"/>
           </a:p>
@@ -3557,7 +3557,7 @@
           <p:nvPr>
             <p:extLst>
               <p:ext uri="{D42A27DB-BD31-4B8C-83A1-F6EECF244321}">
-                <p14:modId xmlns:p14="http://schemas.microsoft.com/office/powerpoint/2010/main" val="2859652909"/>
+                <p14:modId xmlns:p14="http://schemas.microsoft.com/office/powerpoint/2010/main" val="1223583365"/>
               </p:ext>
             </p:extLst>
           </p:nvPr>
@@ -3625,8 +3625,11 @@
                         <a:rPr lang="en-US" sz="1000" dirty="0" smtClean="0">
                           <a:latin typeface="Arial Black" panose="020B0A04020102020204" pitchFamily="34" charset="0"/>
                         </a:rPr>
-                        <a:t>EEG-Ch2 </a:t>
+                        <a:t>L-M1</a:t>
                       </a:r>
+                      <a:endParaRPr lang="en-US" sz="1000" dirty="0" smtClean="0">
+                        <a:latin typeface="Arial Black" panose="020B0A04020102020204" pitchFamily="34" charset="0"/>
+                      </a:endParaRPr>
                     </a:p>
                     <a:p>
                       <a:pPr algn="ctr"/>
@@ -3634,7 +3637,7 @@
                         <a:rPr lang="en-US" sz="1000" dirty="0" smtClean="0">
                           <a:latin typeface="Arial Black" panose="020B0A04020102020204" pitchFamily="34" charset="0"/>
                         </a:rPr>
-                        <a:t>(L-M1)</a:t>
+                        <a:t>(Chan2)</a:t>
                       </a:r>
                       <a:endParaRPr lang="en-US" sz="1000" dirty="0">
                         <a:latin typeface="Arial Black" panose="020B0A04020102020204" pitchFamily="34" charset="0"/>
@@ -3659,12 +3662,6 @@
                     <a:p>
                       <a:pPr algn="ctr"/>
                       <a:r>
-                        <a:rPr lang="en-US" sz="1000" dirty="0" smtClean="0">
-                          <a:latin typeface="Arial Black" panose="020B0A04020102020204" pitchFamily="34" charset="0"/>
-                        </a:rPr>
-                        <a:t>EEG3 (</a:t>
-                      </a:r>
-                      <a:r>
                         <a:rPr lang="en-US" sz="1000" dirty="0" err="1" smtClean="0">
                           <a:latin typeface="Arial Black" panose="020B0A04020102020204" pitchFamily="34" charset="0"/>
                         </a:rPr>
@@ -3680,7 +3677,7 @@
                         <a:rPr lang="en-US" sz="1000" baseline="0" dirty="0" smtClean="0">
                           <a:latin typeface="Arial Black" panose="020B0A04020102020204" pitchFamily="34" charset="0"/>
                         </a:rPr>
-                        <a:t>)</a:t>
+                        <a:t> (Chan3)</a:t>
                       </a:r>
                       <a:endParaRPr lang="en-US" sz="1000" dirty="0">
                         <a:latin typeface="Arial Black" panose="020B0A04020102020204" pitchFamily="34" charset="0"/>
@@ -3738,7 +3735,7 @@
                         <a:rPr lang="en-US" sz="1000" dirty="0" smtClean="0">
                           <a:latin typeface="Arial Black" panose="020B0A04020102020204" pitchFamily="34" charset="0"/>
                         </a:rPr>
-                        <a:t>EEG-Ch1 (EMG)</a:t>
+                        <a:t>EMG (Chan1)</a:t>
                       </a:r>
                       <a:endParaRPr lang="en-US" sz="1000" dirty="0">
                         <a:latin typeface="Arial Black" panose="020B0A04020102020204" pitchFamily="34" charset="0"/>
@@ -3763,12 +3760,6 @@
                     <a:p>
                       <a:pPr algn="ctr"/>
                       <a:r>
-                        <a:rPr lang="en-US" sz="1000" dirty="0" smtClean="0">
-                          <a:latin typeface="Arial Black" panose="020B0A04020102020204" pitchFamily="34" charset="0"/>
-                        </a:rPr>
-                        <a:t>EEG3 (</a:t>
-                      </a:r>
-                      <a:r>
                         <a:rPr lang="en-US" sz="1000" dirty="0" err="1" smtClean="0">
                           <a:latin typeface="Arial Black" panose="020B0A04020102020204" pitchFamily="34" charset="0"/>
                         </a:rPr>
@@ -3778,7 +3769,13 @@
                         <a:rPr lang="en-US" sz="1000" dirty="0" smtClean="0">
                           <a:latin typeface="Arial Black" panose="020B0A04020102020204" pitchFamily="34" charset="0"/>
                         </a:rPr>
-                        <a:t> R-M1)</a:t>
+                        <a:t> R-M1</a:t>
+                      </a:r>
+                      <a:r>
+                        <a:rPr lang="en-US" sz="1000" baseline="0" dirty="0" smtClean="0">
+                          <a:latin typeface="Arial Black" panose="020B0A04020102020204" pitchFamily="34" charset="0"/>
+                        </a:rPr>
+                        <a:t> (Chan3)</a:t>
                       </a:r>
                       <a:endParaRPr lang="en-US" sz="1000" dirty="0">
                         <a:latin typeface="Arial Black" panose="020B0A04020102020204" pitchFamily="34" charset="0"/>
